--- a/notes/5_Securing_Data.pptx
+++ b/notes/5_Securing_Data.pptx
@@ -5,7 +5,7 @@
     <p:sldMasterId id="2147483672" r:id="rId1"/>
   </p:sldMasterIdLst>
   <p:notesMasterIdLst>
-    <p:notesMasterId r:id="rId37"/>
+    <p:notesMasterId r:id="rId36"/>
   </p:notesMasterIdLst>
   <p:sldIdLst>
     <p:sldId id="257" r:id="rId2"/>
@@ -42,7 +42,6 @@
     <p:sldId id="283" r:id="rId33"/>
     <p:sldId id="325" r:id="rId34"/>
     <p:sldId id="286" r:id="rId35"/>
-    <p:sldId id="258" r:id="rId36"/>
   </p:sldIdLst>
   <p:sldSz cx="12192000" cy="6858000"/>
   <p:notesSz cx="6858000" cy="9144000"/>
@@ -231,7 +230,7 @@
           <a:p>
             <a:fld id="{5C9D7EE5-98FA-4F16-B40A-C5F05EE2B9BC}" type="datetimeFigureOut">
               <a:rPr lang="en-US" smtClean="0"/>
-              <a:t>4/8/2021</a:t>
+              <a:t>1/19/2026</a:t>
             </a:fld>
             <a:endParaRPr lang="en-US"/>
           </a:p>
@@ -1020,13 +1019,8 @@
           <a:p>
             <a:r>
               <a:rPr lang="en-US" baseline="0" dirty="0"/>
-              <a:t>Each element of the list is an (actor, rights of the actor over the passive entity) </a:t>
-            </a:r>
-            <a:r>
-              <a:rPr lang="en-US" baseline="0" dirty="0" smtClean="0"/>
-              <a:t>pair.</a:t>
-            </a:r>
-            <a:endParaRPr lang="en-US" baseline="0" dirty="0"/>
+              <a:t>Each element of the list is an (actor, rights of the actor over the passive entity) pair.</a:t>
+            </a:r>
           </a:p>
         </p:txBody>
       </p:sp>
@@ -1334,26 +1328,22 @@
           <a:lstStyle/>
           <a:p>
             <a:r>
-              <a:rPr lang="en-US" dirty="0" smtClean="0"/>
+              <a:rPr lang="en-US" dirty="0"/>
               <a:t>xxx</a:t>
             </a:r>
             <a:r>
-              <a:rPr lang="en-US" baseline="0" dirty="0" smtClean="0"/>
+              <a:rPr lang="en-US" baseline="0" dirty="0"/>
               <a:t> on the command line is the name of the file</a:t>
             </a:r>
-            <a:endParaRPr lang="en-US" dirty="0" smtClean="0"/>
-          </a:p>
-          <a:p>
-            <a:endParaRPr lang="en-US" dirty="0" smtClean="0"/>
-          </a:p>
-          <a:p>
-            <a:r>
-              <a:rPr lang="en-US" dirty="0" smtClean="0"/>
-              <a:t>For </a:t>
-            </a:r>
-            <a:r>
-              <a:rPr lang="en-US" dirty="0"/>
-              <a:t>the </a:t>
+            <a:endParaRPr lang="en-US" dirty="0"/>
+          </a:p>
+          <a:p>
+            <a:endParaRPr lang="en-US" dirty="0"/>
+          </a:p>
+          <a:p>
+            <a:r>
+              <a:rPr lang="en-US" dirty="0"/>
+              <a:t>For the </a:t>
             </a:r>
             <a:r>
               <a:rPr lang="en-US" i="1" dirty="0"/>
@@ -1485,7 +1475,7 @@
               <a:t>rw</a:t>
             </a:r>
             <a:r>
-              <a:rPr lang="en-US" baseline="0" dirty="0" smtClean="0"/>
+              <a:rPr lang="en-US" baseline="0" dirty="0"/>
               <a:t>)</a:t>
             </a:r>
           </a:p>
@@ -1494,7 +1484,7 @@
               <a:buFontTx/>
               <a:buNone/>
             </a:pPr>
-            <a:endParaRPr lang="en-US" baseline="0" dirty="0" smtClean="0"/>
+            <a:endParaRPr lang="en-US" baseline="0" dirty="0"/>
           </a:p>
           <a:p>
             <a:pPr marL="0" indent="0">
@@ -1502,10 +1492,9 @@
               <a:buNone/>
             </a:pPr>
             <a:r>
-              <a:rPr lang="en-US" baseline="0" dirty="0" smtClean="0"/>
+              <a:rPr lang="en-US" baseline="0" dirty="0"/>
               <a:t>Try this on some of your files/directories!!!</a:t>
             </a:r>
-            <a:endParaRPr lang="en-US" baseline="0" dirty="0"/>
           </a:p>
           <a:p>
             <a:pPr marL="0" indent="0">
@@ -1780,10 +1769,9 @@
           <a:lstStyle/>
           <a:p>
             <a:r>
-              <a:rPr lang="en-US" dirty="0" smtClean="0"/>
+              <a:rPr lang="en-US" dirty="0"/>
               <a:t>The lock is an analogy to how this works.</a:t>
             </a:r>
-            <a:endParaRPr lang="en-US" dirty="0"/>
           </a:p>
           <a:p>
             <a:endParaRPr lang="en-US" dirty="0"/>
@@ -1900,12 +1888,8 @@
           </a:p>
           <a:p>
             <a:r>
-              <a:rPr lang="en-US" dirty="0" smtClean="0"/>
-              <a:t>The </a:t>
-            </a:r>
-            <a:r>
-              <a:rPr lang="en-US" dirty="0"/>
-              <a:t>key has to be agreed upon </a:t>
+              <a:rPr lang="en-US" dirty="0"/>
+              <a:t>The key has to be agreed upon </a:t>
             </a:r>
             <a:r>
               <a:rPr lang="en-US" i="1" dirty="0"/>
@@ -1917,19 +1901,15 @@
             </a:r>
             <a:r>
               <a:rPr lang="en-US" i="0" baseline="0" dirty="0"/>
-              <a:t> can be sent and read. This is the “key distribution problem</a:t>
-            </a:r>
-            <a:r>
-              <a:rPr lang="en-US" i="0" baseline="0" dirty="0" smtClean="0"/>
-              <a:t>”.</a:t>
-            </a:r>
-          </a:p>
-          <a:p>
-            <a:endParaRPr lang="en-US" i="0" baseline="0" dirty="0" smtClean="0"/>
-          </a:p>
-          <a:p>
-            <a:r>
-              <a:rPr lang="en-US" i="0" baseline="0" dirty="0" smtClean="0"/>
+              <a:t> can be sent and read. This is the “key distribution problem”.</a:t>
+            </a:r>
+          </a:p>
+          <a:p>
+            <a:endParaRPr lang="en-US" i="0" baseline="0" dirty="0"/>
+          </a:p>
+          <a:p>
+            <a:r>
+              <a:rPr lang="en-US" i="0" baseline="0" dirty="0"/>
               <a:t>Alice and Bob are the two classic names of people used when explaining cryptography problems.  Alice and Bob work with each other, and they wish to have an affair.  Juicy, right?  They do not wish for anyone to “eavesdrop” on their juicy conversations, so they use encryption.  This problem also often introduces a bad actor called Eve, and she likes to “eavesdrop”.  Get it?</a:t>
             </a:r>
             <a:endParaRPr lang="en-US" dirty="0"/>
@@ -2666,13 +2646,8 @@
           <a:p>
             <a:r>
               <a:rPr lang="en-US" baseline="0" dirty="0"/>
-              <a:t>But if an attack occurs and you need to recover the files from the media, you can be sure the contents of the media have not been </a:t>
-            </a:r>
-            <a:r>
-              <a:rPr lang="en-US" baseline="0" dirty="0" smtClean="0"/>
-              <a:t>altered.</a:t>
-            </a:r>
-            <a:endParaRPr lang="en-US" baseline="0" dirty="0"/>
+              <a:t>But if an attack occurs and you need to recover the files from the media, you can be sure the contents of the media have not been altered.</a:t>
+            </a:r>
           </a:p>
           <a:p>
             <a:endParaRPr lang="en-US" baseline="0" dirty="0"/>
@@ -3627,12 +3602,8 @@
           <a:lstStyle/>
           <a:p>
             <a:r>
-              <a:rPr lang="en-US" baseline="0" dirty="0" smtClean="0"/>
-              <a:t>The </a:t>
-            </a:r>
-            <a:r>
               <a:rPr lang="en-US" baseline="0" dirty="0"/>
-              <a:t>assumptions mean that the attacker can log into the system, but is not the user who controls the data.</a:t>
+              <a:t>The assumptions mean that the attacker can log into the system, but is not the user who controls the data.</a:t>
             </a:r>
           </a:p>
           <a:p>
@@ -4208,90 +4179,6 @@
 </p:notes>
 </file>
 
-<file path=ppt/notesSlides/notesSlide35.xml><?xml version="1.0" encoding="utf-8"?>
-<p:notes xmlns:a="http://schemas.openxmlformats.org/drawingml/2006/main" xmlns:r="http://schemas.openxmlformats.org/officeDocument/2006/relationships" xmlns:p="http://schemas.openxmlformats.org/presentationml/2006/main">
-  <p:cSld>
-    <p:spTree>
-      <p:nvGrpSpPr>
-        <p:cNvPr id="1" name=""/>
-        <p:cNvGrpSpPr/>
-        <p:nvPr/>
-      </p:nvGrpSpPr>
-      <p:grpSpPr>
-        <a:xfrm>
-          <a:off x="0" y="0"/>
-          <a:ext cx="0" cy="0"/>
-          <a:chOff x="0" y="0"/>
-          <a:chExt cx="0" cy="0"/>
-        </a:xfrm>
-      </p:grpSpPr>
-      <p:sp>
-        <p:nvSpPr>
-          <p:cNvPr id="2" name="Slide Image Placeholder 1"/>
-          <p:cNvSpPr>
-            <a:spLocks noGrp="1" noRot="1" noChangeAspect="1"/>
-          </p:cNvSpPr>
-          <p:nvPr>
-            <p:ph type="sldImg"/>
-          </p:nvPr>
-        </p:nvSpPr>
-        <p:spPr/>
-      </p:sp>
-      <p:sp>
-        <p:nvSpPr>
-          <p:cNvPr id="3" name="Notes Placeholder 2"/>
-          <p:cNvSpPr>
-            <a:spLocks noGrp="1"/>
-          </p:cNvSpPr>
-          <p:nvPr>
-            <p:ph type="body" idx="1"/>
-          </p:nvPr>
-        </p:nvSpPr>
-        <p:spPr/>
-        <p:txBody>
-          <a:bodyPr/>
-          <a:lstStyle/>
-          <a:p>
-            <a:endParaRPr lang="en-US"/>
-          </a:p>
-        </p:txBody>
-      </p:sp>
-      <p:sp>
-        <p:nvSpPr>
-          <p:cNvPr id="4" name="Slide Number Placeholder 3"/>
-          <p:cNvSpPr>
-            <a:spLocks noGrp="1"/>
-          </p:cNvSpPr>
-          <p:nvPr>
-            <p:ph type="sldNum" sz="quarter" idx="10"/>
-          </p:nvPr>
-        </p:nvSpPr>
-        <p:spPr/>
-        <p:txBody>
-          <a:bodyPr/>
-          <a:lstStyle/>
-          <a:p>
-            <a:fld id="{603BF452-1F3E-4736-9542-AE9A6EDD9844}" type="slidenum">
-              <a:rPr lang="en-US" smtClean="0"/>
-              <a:t>35</a:t>
-            </a:fld>
-            <a:endParaRPr lang="en-US"/>
-          </a:p>
-        </p:txBody>
-      </p:sp>
-    </p:spTree>
-    <p:extLst>
-      <p:ext uri="{BB962C8B-B14F-4D97-AF65-F5344CB8AC3E}">
-        <p14:creationId xmlns:p14="http://schemas.microsoft.com/office/powerpoint/2010/main" val="1850402229"/>
-      </p:ext>
-    </p:extLst>
-  </p:cSld>
-  <p:clrMapOvr>
-    <a:masterClrMapping/>
-  </p:clrMapOvr>
-</p:notes>
-</file>
-
 <file path=ppt/notesSlides/notesSlide4.xml><?xml version="1.0" encoding="utf-8"?>
 <p:notes xmlns:a="http://schemas.openxmlformats.org/drawingml/2006/main" xmlns:r="http://schemas.openxmlformats.org/officeDocument/2006/relationships" xmlns:p="http://schemas.openxmlformats.org/presentationml/2006/main">
   <p:cSld>
@@ -4675,12 +4562,8 @@
           <a:lstStyle/>
           <a:p>
             <a:r>
-              <a:rPr lang="en-US" baseline="0" dirty="0" smtClean="0"/>
-              <a:t>If </a:t>
-            </a:r>
-            <a:r>
               <a:rPr lang="en-US" baseline="0" dirty="0"/>
-              <a:t>the contents of the disk are encrypted, the attacker physically taking the disk is not enough; the attacker must be able to decrypt the disk</a:t>
+              <a:t>If the contents of the disk are encrypted, the attacker physically taking the disk is not enough; the attacker must be able to decrypt the disk</a:t>
             </a:r>
             <a:endParaRPr lang="en-US" dirty="0"/>
           </a:p>
@@ -4790,15 +4673,7 @@
             </a:r>
             <a:r>
               <a:rPr lang="en-US" baseline="0" dirty="0"/>
-              <a:t> control lists are discussed </a:t>
-            </a:r>
-            <a:r>
-              <a:rPr lang="en-US" baseline="0" dirty="0" smtClean="0"/>
-              <a:t>in other places. </a:t>
-            </a:r>
-            <a:r>
-              <a:rPr lang="en-US" baseline="0" dirty="0"/>
-              <a:t>They allow the owner of the file containing the data to control who can access the file and how; the basic modes are reading, writing, and executing, although what these mean depends upon the type of object. For example, writing a directory object means you can create or delete files in the directory. There may be other rights as well; for example, Windows 10 has the rights Read &amp; Execute and Read, so you have to have read permission in order to run an app.</a:t>
+              <a:t> control lists are discussed in other places. They allow the owner of the file containing the data to control who can access the file and how; the basic modes are reading, writing, and executing, although what these mean depends upon the type of object. For example, writing a directory object means you can create or delete files in the directory. There may be other rights as well; for example, Windows 10 has the rights Read &amp; Execute and Read, so you have to have read permission in order to run an app.</a:t>
             </a:r>
           </a:p>
           <a:p>
@@ -4816,11 +4691,7 @@
           <a:p>
             <a:r>
               <a:rPr lang="en-US" baseline="0" dirty="0"/>
-              <a:t>Replication speaks to availability. There are lots of replication algorithms, including some that will detect when one of the copies is incorrect (changed) and will use a voting procedure to compensate (usually by finding the correct value</a:t>
-            </a:r>
-            <a:r>
-              <a:rPr lang="en-US" baseline="0" dirty="0" smtClean="0"/>
-              <a:t>).</a:t>
+              <a:t>Replication speaks to availability. There are lots of replication algorithms, including some that will detect when one of the copies is incorrect (changed) and will use a voting procedure to compensate (usually by finding the correct value).</a:t>
             </a:r>
             <a:endParaRPr lang="en-US" dirty="0"/>
           </a:p>
@@ -8169,7 +8040,6 @@
           </p:cNvGraphicFramePr>
           <p:nvPr>
             <p:ph idx="1"/>
-            <p:extLst/>
           </p:nvPr>
         </p:nvGraphicFramePr>
         <p:xfrm>
@@ -8628,7 +8498,6 @@
           </p:cNvGraphicFramePr>
           <p:nvPr>
             <p:ph idx="1"/>
-            <p:extLst/>
           </p:nvPr>
         </p:nvGraphicFramePr>
         <p:xfrm>
@@ -9140,9 +9009,7 @@
           <p:cNvGraphicFramePr>
             <a:graphicFrameLocks/>
           </p:cNvGraphicFramePr>
-          <p:nvPr>
-            <p:extLst/>
-          </p:nvPr>
+          <p:nvPr/>
         </p:nvGraphicFramePr>
         <p:xfrm>
           <a:off x="1373775" y="2407007"/>
@@ -10798,7 +10665,7 @@
           <a:p>
             <a:r>
               <a:rPr lang="en-US" dirty="0"/>
-              <a:t>Example: Windows 10</a:t>
+              <a:t>Example: Windows</a:t>
             </a:r>
           </a:p>
         </p:txBody>
@@ -10964,15 +10831,7 @@
             </a:pPr>
             <a:r>
               <a:rPr lang="en-US" dirty="0"/>
-              <a:t>I</a:t>
-            </a:r>
-            <a:r>
-              <a:rPr lang="en-US" dirty="0" smtClean="0"/>
-              <a:t>dea</a:t>
-            </a:r>
-            <a:r>
-              <a:rPr lang="en-US" dirty="0"/>
-              <a:t>: encipher the data</a:t>
+              <a:t>Idea: encipher the data</a:t>
             </a:r>
           </a:p>
           <a:p>
@@ -11103,12 +10962,8 @@
           </a:p>
           <a:p>
             <a:r>
-              <a:rPr lang="en-US" dirty="0" smtClean="0"/>
-              <a:t>Common </a:t>
-            </a:r>
-            <a:r>
-              <a:rPr lang="en-US" dirty="0"/>
-              <a:t>symmetric key algorithms</a:t>
+              <a:rPr lang="en-US" dirty="0"/>
+              <a:t>Common symmetric key algorithms</a:t>
             </a:r>
           </a:p>
           <a:p>
@@ -11199,15 +11054,7 @@
           <a:p>
             <a:r>
               <a:rPr lang="en-US" dirty="0"/>
-              <a:t>Released by the author into </a:t>
-            </a:r>
-            <a:r>
-              <a:rPr lang="en-US" dirty="0" smtClean="0"/>
-              <a:t>the </a:t>
-            </a:r>
-            <a:r>
-              <a:rPr lang="en-US" dirty="0"/>
-              <a:t>public domain</a:t>
+              <a:t>Released by the author into the public domain</a:t>
             </a:r>
           </a:p>
         </p:txBody>
@@ -11300,14 +11147,14 @@
           <a:effectLst/>
           <a:extLst>
             <a:ext uri="{909E8E84-426E-40dd-AFC4-6F175D3DCCD1}">
-              <a14:hiddenFill xmlns:a14="http://schemas.microsoft.com/office/drawing/2010/main" xmlns="">
+              <a14:hiddenFill xmlns="" xmlns:a14="http://schemas.microsoft.com/office/drawing/2010/main">
                 <a:solidFill>
                   <a:schemeClr val="accent1"/>
                 </a:solidFill>
               </a14:hiddenFill>
             </a:ext>
             <a:ext uri="{91240B29-F687-4f45-9708-019B960494DF}">
-              <a14:hiddenLine xmlns:a14="http://schemas.microsoft.com/office/drawing/2010/main" xmlns="" w="9525">
+              <a14:hiddenLine xmlns="" xmlns:a14="http://schemas.microsoft.com/office/drawing/2010/main" w="9525">
                 <a:solidFill>
                   <a:schemeClr val="tx1"/>
                 </a:solidFill>
@@ -11317,7 +11164,7 @@
               </a14:hiddenLine>
             </a:ext>
             <a:ext uri="{AF507438-7753-43e0-B8FC-AC1667EBCBE1}">
-              <a14:hiddenEffects xmlns:a14="http://schemas.microsoft.com/office/drawing/2010/main" xmlns="">
+              <a14:hiddenEffects xmlns="" xmlns:a14="http://schemas.microsoft.com/office/drawing/2010/main">
                 <a:effectLst>
                   <a:outerShdw dist="35921" dir="2700000" algn="ctr" rotWithShape="0">
                     <a:schemeClr val="bg2"/>
@@ -11852,14 +11699,14 @@
           </a:ln>
           <a:extLst>
             <a:ext uri="{909E8E84-426E-40dd-AFC4-6F175D3DCCD1}">
-              <a14:hiddenFill xmlns:a14="http://schemas.microsoft.com/office/drawing/2010/main" xmlns="">
+              <a14:hiddenFill xmlns="" xmlns:a14="http://schemas.microsoft.com/office/drawing/2010/main">
                 <a:solidFill>
                   <a:schemeClr val="accent1"/>
                 </a:solidFill>
               </a14:hiddenFill>
             </a:ext>
             <a:ext uri="{91240B29-F687-4f45-9708-019B960494DF}">
-              <a14:hiddenLine xmlns:a14="http://schemas.microsoft.com/office/drawing/2010/main" xmlns="" w="9525">
+              <a14:hiddenLine xmlns="" xmlns:a14="http://schemas.microsoft.com/office/drawing/2010/main" w="9525">
                 <a:solidFill>
                   <a:schemeClr val="tx1"/>
                 </a:solidFill>
@@ -11893,10 +11740,6 @@
           </a:bodyPr>
           <a:lstStyle/>
           <a:p>
-            <a:r>
-              <a:rPr lang="en-US" sz="2400" dirty="0"/>
-              <a:t/>
-            </a:r>
             <a:br>
               <a:rPr lang="en-US" sz="2400" dirty="0"/>
             </a:br>
@@ -11907,10 +11750,6 @@
             <a:br>
               <a:rPr lang="en-US" sz="2400" dirty="0"/>
             </a:br>
-            <a:r>
-              <a:rPr lang="en-US" sz="1600" dirty="0"/>
-              <a:t/>
-            </a:r>
             <a:br>
               <a:rPr lang="en-US" sz="1600" dirty="0"/>
             </a:br>
@@ -14021,13 +13860,8 @@
             <a:pPr lvl="1"/>
             <a:r>
               <a:rPr lang="en-US" dirty="0"/>
-              <a:t>In the Space Shuttle, all avionics systems were redundant, in some cases having as many as 4 or 5 duplicate </a:t>
-            </a:r>
-            <a:r>
-              <a:rPr lang="en-US" dirty="0" smtClean="0"/>
-              <a:t>devices</a:t>
-            </a:r>
-            <a:endParaRPr lang="en-US" dirty="0"/>
+              <a:t>In the Space Shuttle, all avionics systems were redundant, in some cases having as many as 4 or 5 duplicate devices</a:t>
+            </a:r>
           </a:p>
           <a:p>
             <a:r>
@@ -14340,13 +14174,8 @@
           <a:p>
             <a:r>
               <a:rPr lang="en-US" dirty="0"/>
-              <a:t>You upload the data to the cloud </a:t>
-            </a:r>
-            <a:r>
-              <a:rPr lang="en-US" dirty="0" smtClean="0"/>
-              <a:t>provider.</a:t>
-            </a:r>
-            <a:endParaRPr lang="en-US" dirty="0"/>
+              <a:t>You upload the data to the cloud provider.</a:t>
+            </a:r>
           </a:p>
           <a:p>
             <a:r>
@@ -14357,31 +14186,22 @@
           <a:p>
             <a:r>
               <a:rPr lang="en-US" dirty="0"/>
-              <a:t>When you request the data, the provider decrypts the data as it sends it to </a:t>
-            </a:r>
-            <a:r>
-              <a:rPr lang="en-US" dirty="0" smtClean="0"/>
-              <a:t>you.</a:t>
-            </a:r>
-            <a:endParaRPr lang="en-US" dirty="0"/>
+              <a:t>When you request the data, the provider decrypts the data as it sends it to you.</a:t>
+            </a:r>
           </a:p>
           <a:p>
             <a:pPr marL="0" indent="0">
               <a:buNone/>
             </a:pPr>
-            <a:endParaRPr lang="en-US" dirty="0" smtClean="0"/>
+            <a:endParaRPr lang="en-US" dirty="0"/>
           </a:p>
           <a:p>
             <a:pPr marL="0" indent="0">
               <a:buNone/>
             </a:pPr>
             <a:r>
-              <a:rPr lang="en-US" dirty="0" smtClean="0"/>
-              <a:t>The </a:t>
-            </a:r>
-            <a:r>
-              <a:rPr lang="en-US" dirty="0"/>
-              <a:t>data is encrypted when stored on the cloud provider’s storage.</a:t>
+              <a:rPr lang="en-US" dirty="0"/>
+              <a:t>The data is encrypted when stored on the cloud provider’s storage.</a:t>
             </a:r>
           </a:p>
           <a:p>
@@ -14464,13 +14284,8 @@
           <a:p>
             <a:r>
               <a:rPr lang="en-US" dirty="0"/>
-              <a:t>You encrypt the data and then send it to the cloud </a:t>
-            </a:r>
-            <a:r>
-              <a:rPr lang="en-US" dirty="0" smtClean="0"/>
-              <a:t>provider.</a:t>
-            </a:r>
-            <a:endParaRPr lang="en-US" dirty="0"/>
+              <a:t>You encrypt the data and then send it to the cloud provider.</a:t>
+            </a:r>
           </a:p>
           <a:p>
             <a:r>
@@ -14481,47 +14296,7 @@
           <a:p>
             <a:r>
               <a:rPr lang="en-US" dirty="0"/>
-              <a:t>When you request the data, the provider sends it to you and </a:t>
-            </a:r>
-            <a:r>
-              <a:rPr lang="en-US" dirty="0" smtClean="0"/>
-              <a:t>you </a:t>
-            </a:r>
-            <a:r>
-              <a:rPr lang="en-US" dirty="0"/>
-              <a:t>decrypt it.</a:t>
-            </a:r>
-          </a:p>
-          <a:p>
-            <a:pPr marL="0" indent="0">
-              <a:buNone/>
-            </a:pPr>
-            <a:endParaRPr lang="en-US" dirty="0" smtClean="0"/>
-          </a:p>
-          <a:p>
-            <a:pPr marL="0" indent="0">
-              <a:buNone/>
-            </a:pPr>
-            <a:r>
-              <a:rPr lang="en-US" dirty="0" smtClean="0"/>
-              <a:t>The </a:t>
-            </a:r>
-            <a:r>
-              <a:rPr lang="en-US" dirty="0"/>
-              <a:t>data is encrypted when stored on the cloud provider’s storage.</a:t>
-            </a:r>
-          </a:p>
-          <a:p>
-            <a:pPr marL="0" indent="0">
-              <a:buNone/>
-            </a:pPr>
-            <a:r>
-              <a:rPr lang="en-US" dirty="0"/>
-              <a:t>You have the key, so you need not trust the cloud provider to keep your data </a:t>
-            </a:r>
-            <a:r>
-              <a:rPr lang="en-US" dirty="0" smtClean="0"/>
-              <a:t>secret.</a:t>
+              <a:t>When you request the data, the provider sends it to you and you decrypt it.</a:t>
             </a:r>
           </a:p>
           <a:p>
@@ -14531,15 +14306,34 @@
             <a:endParaRPr lang="en-US" dirty="0"/>
           </a:p>
           <a:p>
-            <a:r>
-              <a:rPr lang="en-US" dirty="0"/>
-              <a:t>But you have to manage the key you </a:t>
-            </a:r>
-            <a:r>
-              <a:rPr lang="en-US" dirty="0" smtClean="0"/>
-              <a:t>use.</a:t>
-            </a:r>
+            <a:pPr marL="0" indent="0">
+              <a:buNone/>
+            </a:pPr>
+            <a:r>
+              <a:rPr lang="en-US" dirty="0"/>
+              <a:t>The data is encrypted when stored on the cloud provider’s storage.</a:t>
+            </a:r>
+          </a:p>
+          <a:p>
+            <a:pPr marL="0" indent="0">
+              <a:buNone/>
+            </a:pPr>
+            <a:r>
+              <a:rPr lang="en-US" dirty="0"/>
+              <a:t>You have the key, so you need not trust the cloud provider to keep your data secret.</a:t>
+            </a:r>
+          </a:p>
+          <a:p>
+            <a:pPr marL="0" indent="0">
+              <a:buNone/>
+            </a:pPr>
             <a:endParaRPr lang="en-US" dirty="0"/>
+          </a:p>
+          <a:p>
+            <a:r>
+              <a:rPr lang="en-US" dirty="0"/>
+              <a:t>But you have to manage the key you use.</a:t>
+            </a:r>
           </a:p>
           <a:p>
             <a:endParaRPr lang="en-US" dirty="0"/>
@@ -14770,36 +14564,6 @@
     <p:extLst>
       <p:ext uri="{BB962C8B-B14F-4D97-AF65-F5344CB8AC3E}">
         <p14:creationId xmlns:p14="http://schemas.microsoft.com/office/powerpoint/2010/main" val="3434724342"/>
-      </p:ext>
-    </p:extLst>
-  </p:cSld>
-  <p:clrMapOvr>
-    <a:masterClrMapping/>
-  </p:clrMapOvr>
-</p:sld>
-</file>
-
-<file path=ppt/slides/slide35.xml><?xml version="1.0" encoding="utf-8"?>
-<p:sld xmlns:a="http://schemas.openxmlformats.org/drawingml/2006/main" xmlns:r="http://schemas.openxmlformats.org/officeDocument/2006/relationships" xmlns:p="http://schemas.openxmlformats.org/presentationml/2006/main">
-  <p:cSld>
-    <p:spTree>
-      <p:nvGrpSpPr>
-        <p:cNvPr id="1" name=""/>
-        <p:cNvGrpSpPr/>
-        <p:nvPr/>
-      </p:nvGrpSpPr>
-      <p:grpSpPr>
-        <a:xfrm>
-          <a:off x="0" y="0"/>
-          <a:ext cx="0" cy="0"/>
-          <a:chOff x="0" y="0"/>
-          <a:chExt cx="0" cy="0"/>
-        </a:xfrm>
-      </p:grpSpPr>
-    </p:spTree>
-    <p:extLst>
-      <p:ext uri="{BB962C8B-B14F-4D97-AF65-F5344CB8AC3E}">
-        <p14:creationId xmlns:p14="http://schemas.microsoft.com/office/powerpoint/2010/main" val="2053842204"/>
       </p:ext>
     </p:extLst>
   </p:cSld>
